--- a/FireShieldAI_Presentation.pptx
+++ b/FireShieldAI_Presentation.pptx
@@ -4112,7 +4112,15 @@
           <a:p>
             <a:r>
               <a:rPr lang="en-US" dirty="0"/>
-              <a:t>Conti.. Fire risk estimated. Fire &lt;5 miles away(Moderate Risk)</a:t>
+              <a:t>Conti.. Fire risk estimated. </a:t>
+            </a:r>
+            <a:r>
+              <a:rPr lang="en-US"/>
+              <a:t>Fire 14 </a:t>
+            </a:r>
+            <a:r>
+              <a:rPr lang="en-US" dirty="0"/>
+              <a:t>miles away(Moderate Risk)</a:t>
             </a:r>
           </a:p>
         </p:txBody>
@@ -4450,7 +4458,7 @@
           <a:bodyPr/>
           <a:lstStyle/>
           <a:p>
-            <a:endParaRPr/>
+            <a:endParaRPr dirty="0"/>
           </a:p>
           <a:p>
             <a:pPr>
@@ -4459,7 +4467,8 @@
               </a:defRPr>
             </a:pPr>
             <a:r>
-              <a:t>✅ Combines real-time and fallback data seamlessly</a:t>
+              <a:rPr dirty="0"/>
+              <a:t> Combines real-time and fallback data seamlessly</a:t>
             </a:r>
           </a:p>
           <a:p>
@@ -4469,7 +4478,8 @@
               </a:defRPr>
             </a:pPr>
             <a:r>
-              <a:t>📍 Visual map with ZIP code and shelter tooltips</a:t>
+              <a:rPr dirty="0"/>
+              <a:t> Visual map with ZIP code and shelter tooltips</a:t>
             </a:r>
           </a:p>
           <a:p>
@@ -4479,7 +4489,8 @@
               </a:defRPr>
             </a:pPr>
             <a:r>
-              <a:t>🧳 Generates personalized evacuation checklist</a:t>
+              <a:rPr dirty="0"/>
+              <a:t> Generates personalized evacuation checklist</a:t>
             </a:r>
           </a:p>
           <a:p>
@@ -4489,7 +4500,8 @@
               </a:defRPr>
             </a:pPr>
             <a:r>
-              <a:t>💡 Works even if live shelter data is unavailable</a:t>
+              <a:rPr dirty="0"/>
+              <a:t> Works even if live shelter data is unavailable</a:t>
             </a:r>
           </a:p>
           <a:p>
@@ -4499,7 +4511,24 @@
               </a:defRPr>
             </a:pPr>
             <a:r>
-              <a:t>🌐 Built using Streamlit, pydeck, Pandas, and REST APIs</a:t>
+              <a:rPr dirty="0"/>
+              <a:t> Built using </a:t>
+            </a:r>
+            <a:r>
+              <a:rPr dirty="0" err="1"/>
+              <a:t>Streamlit</a:t>
+            </a:r>
+            <a:r>
+              <a:rPr dirty="0"/>
+              <a:t>, </a:t>
+            </a:r>
+            <a:r>
+              <a:rPr dirty="0" err="1"/>
+              <a:t>pydeck</a:t>
+            </a:r>
+            <a:r>
+              <a:rPr dirty="0"/>
+              <a:t>, Pandas, and REST APIs</a:t>
             </a:r>
           </a:p>
         </p:txBody>
@@ -4575,7 +4604,48 @@
             </a:pPr>
             <a:r>
               <a:rPr dirty="0"/>
-              <a:t>🎯 Impact:</a:t>
+              <a:t> Impact:</a:t>
+            </a:r>
+          </a:p>
+          <a:p>
+            <a:pPr marL="0" indent="0">
+              <a:buNone/>
+              <a:defRPr sz="2000">
+                <a:latin typeface="Calibri"/>
+              </a:defRPr>
+            </a:pPr>
+            <a:r>
+              <a:rPr dirty="0"/>
+              <a:t>- Instantly helps users evaluate wildfire risk</a:t>
+            </a:r>
+          </a:p>
+          <a:p>
+            <a:pPr marL="0" indent="0">
+              <a:buNone/>
+              <a:defRPr sz="2000">
+                <a:latin typeface="Calibri"/>
+              </a:defRPr>
+            </a:pPr>
+            <a:r>
+              <a:rPr dirty="0"/>
+              <a:t>- Provides shelter guidance within 25 </a:t>
+            </a:r>
+            <a:r>
+              <a:rPr lang="en-US" dirty="0"/>
+              <a:t>miles</a:t>
+            </a:r>
+            <a:endParaRPr dirty="0"/>
+          </a:p>
+          <a:p>
+            <a:pPr marL="0" indent="0">
+              <a:buNone/>
+              <a:defRPr sz="2000">
+                <a:latin typeface="Calibri"/>
+              </a:defRPr>
+            </a:pPr>
+            <a:r>
+              <a:rPr dirty="0"/>
+              <a:t>- Supports users in preparing an emergency checklist</a:t>
             </a:r>
           </a:p>
           <a:p>
@@ -4586,71 +4656,36 @@
             </a:pPr>
             <a:r>
               <a:rPr dirty="0"/>
-              <a:t>- Instantly helps users evaluate wildfire risk</a:t>
-            </a:r>
-          </a:p>
-          <a:p>
-            <a:pPr>
+              <a:t> Future Work:</a:t>
+            </a:r>
+          </a:p>
+          <a:p>
+            <a:pPr marL="0" indent="0">
+              <a:buNone/>
               <a:defRPr sz="2000">
                 <a:latin typeface="Calibri"/>
               </a:defRPr>
             </a:pPr>
             <a:r>
               <a:rPr dirty="0"/>
-              <a:t>- Provides shelter guidance within 25 </a:t>
-            </a:r>
-            <a:r>
-              <a:rPr lang="en-US" dirty="0"/>
-              <a:t>miles</a:t>
-            </a:r>
-            <a:endParaRPr dirty="0"/>
-          </a:p>
-          <a:p>
-            <a:pPr>
+              <a:t>- Integrate NASA MODIS/VIIRS real-time fire data</a:t>
+            </a:r>
+          </a:p>
+          <a:p>
+            <a:pPr marL="0" indent="0">
+              <a:buNone/>
               <a:defRPr sz="2000">
                 <a:latin typeface="Calibri"/>
               </a:defRPr>
             </a:pPr>
             <a:r>
               <a:rPr dirty="0"/>
-              <a:t>- Supports users in preparing an emergency checklist</a:t>
-            </a:r>
-          </a:p>
-          <a:p>
-            <a:pPr>
-              <a:defRPr sz="2000">
-                <a:latin typeface="Calibri"/>
-              </a:defRPr>
-            </a:pPr>
-            <a:r>
-              <a:rPr dirty="0"/>
-              <a:t>🚀 Future Work:</a:t>
-            </a:r>
-          </a:p>
-          <a:p>
-            <a:pPr>
-              <a:defRPr sz="2000">
-                <a:latin typeface="Calibri"/>
-              </a:defRPr>
-            </a:pPr>
-            <a:r>
-              <a:rPr dirty="0"/>
-              <a:t>- Integrate NASA MODIS/VIIRS real-time fire data</a:t>
-            </a:r>
-          </a:p>
-          <a:p>
-            <a:pPr>
-              <a:defRPr sz="2000">
-                <a:latin typeface="Calibri"/>
-              </a:defRPr>
-            </a:pPr>
-            <a:r>
-              <a:rPr dirty="0"/>
               <a:t>- Add alert system via email or text message</a:t>
             </a:r>
           </a:p>
           <a:p>
-            <a:pPr>
+            <a:pPr marL="0" indent="0">
+              <a:buNone/>
               <a:defRPr sz="2000">
                 <a:latin typeface="Calibri"/>
               </a:defRPr>
